--- a/domain facing.pptx
+++ b/domain facing.pptx
@@ -6,6 +6,8 @@
   </p:sldMasterIdLst>
   <p:sldIdLst>
     <p:sldId id="256" r:id="rId2"/>
+    <p:sldId id="257" r:id="rId3"/>
+    <p:sldId id="258" r:id="rId4"/>
   </p:sldIdLst>
   <p:sldSz cx="12192000" cy="6858000"/>
   <p:notesSz cx="6858000" cy="9144000"/>
@@ -4807,6 +4809,2098 @@
 </p:sld>
 </file>
 
+<file path=ppt/slides/slide2.xml><?xml version="1.0" encoding="utf-8"?>
+<p:sld xmlns:a="http://schemas.openxmlformats.org/drawingml/2006/main" xmlns:r="http://schemas.openxmlformats.org/officeDocument/2006/relationships" xmlns:p="http://schemas.openxmlformats.org/presentationml/2006/main">
+  <p:cSld>
+    <p:spTree>
+      <p:nvGrpSpPr>
+        <p:cNvPr id="1" name=""/>
+        <p:cNvGrpSpPr/>
+        <p:nvPr/>
+      </p:nvGrpSpPr>
+      <p:grpSpPr>
+        <a:xfrm>
+          <a:off x="0" y="0"/>
+          <a:ext cx="0" cy="0"/>
+          <a:chOff x="0" y="0"/>
+          <a:chExt cx="0" cy="0"/>
+        </a:xfrm>
+      </p:grpSpPr>
+      <p:sp>
+        <p:nvSpPr>
+          <p:cNvPr id="56" name="Rounded Rectangle 55"/>
+          <p:cNvSpPr/>
+          <p:nvPr/>
+        </p:nvSpPr>
+        <p:spPr>
+          <a:xfrm>
+            <a:off x="303802" y="3008162"/>
+            <a:ext cx="11504570" cy="127097"/>
+          </a:xfrm>
+          <a:prstGeom prst="roundRect">
+            <a:avLst/>
+          </a:prstGeom>
+          <a:solidFill>
+            <a:schemeClr val="accent2">
+              <a:lumMod val="50000"/>
+            </a:schemeClr>
+          </a:solidFill>
+        </p:spPr>
+        <p:style>
+          <a:lnRef idx="2">
+            <a:schemeClr val="accent1">
+              <a:shade val="50000"/>
+            </a:schemeClr>
+          </a:lnRef>
+          <a:fillRef idx="1">
+            <a:schemeClr val="accent1"/>
+          </a:fillRef>
+          <a:effectRef idx="0">
+            <a:schemeClr val="accent1"/>
+          </a:effectRef>
+          <a:fontRef idx="minor">
+            <a:schemeClr val="lt1"/>
+          </a:fontRef>
+        </p:style>
+        <p:txBody>
+          <a:bodyPr rtlCol="0" anchor="ctr"/>
+          <a:lstStyle/>
+          <a:p>
+            <a:pPr algn="ctr"/>
+            <a:endParaRPr lang="en-US"/>
+          </a:p>
+        </p:txBody>
+      </p:sp>
+      <p:grpSp>
+        <p:nvGrpSpPr>
+          <p:cNvPr id="2" name="Group 1"/>
+          <p:cNvGrpSpPr/>
+          <p:nvPr/>
+        </p:nvGrpSpPr>
+        <p:grpSpPr>
+          <a:xfrm>
+            <a:off x="3619619" y="851938"/>
+            <a:ext cx="1150883" cy="1613777"/>
+            <a:chOff x="2774731" y="3610099"/>
+            <a:chExt cx="1150883" cy="1613777"/>
+          </a:xfrm>
+          <a:solidFill>
+            <a:schemeClr val="tx1"/>
+          </a:solidFill>
+        </p:grpSpPr>
+        <p:sp>
+          <p:nvSpPr>
+            <p:cNvPr id="3" name="Oval 2"/>
+            <p:cNvSpPr/>
+            <p:nvPr/>
+          </p:nvSpPr>
+          <p:spPr>
+            <a:xfrm>
+              <a:off x="3111335" y="3610099"/>
+              <a:ext cx="498764" cy="510639"/>
+            </a:xfrm>
+            <a:prstGeom prst="ellipse">
+              <a:avLst/>
+            </a:prstGeom>
+            <a:grpFill/>
+            <a:ln>
+              <a:noFill/>
+            </a:ln>
+          </p:spPr>
+          <p:style>
+            <a:lnRef idx="2">
+              <a:schemeClr val="accent1">
+                <a:shade val="50000"/>
+              </a:schemeClr>
+            </a:lnRef>
+            <a:fillRef idx="1">
+              <a:schemeClr val="accent1"/>
+            </a:fillRef>
+            <a:effectRef idx="0">
+              <a:schemeClr val="accent1"/>
+            </a:effectRef>
+            <a:fontRef idx="minor">
+              <a:schemeClr val="lt1"/>
+            </a:fontRef>
+          </p:style>
+          <p:txBody>
+            <a:bodyPr rtlCol="0" anchor="ctr"/>
+            <a:lstStyle/>
+            <a:p>
+              <a:pPr algn="ctr"/>
+              <a:endParaRPr lang="en-US"/>
+            </a:p>
+          </p:txBody>
+        </p:sp>
+        <p:sp>
+          <p:nvSpPr>
+            <p:cNvPr id="4" name="Rounded Rectangle 3"/>
+            <p:cNvSpPr/>
+            <p:nvPr/>
+          </p:nvSpPr>
+          <p:spPr>
+            <a:xfrm>
+              <a:off x="3111334" y="4120738"/>
+              <a:ext cx="498765" cy="624574"/>
+            </a:xfrm>
+            <a:prstGeom prst="roundRect">
+              <a:avLst/>
+            </a:prstGeom>
+            <a:grpFill/>
+            <a:ln>
+              <a:noFill/>
+            </a:ln>
+          </p:spPr>
+          <p:style>
+            <a:lnRef idx="2">
+              <a:schemeClr val="accent1">
+                <a:shade val="50000"/>
+              </a:schemeClr>
+            </a:lnRef>
+            <a:fillRef idx="1">
+              <a:schemeClr val="accent1"/>
+            </a:fillRef>
+            <a:effectRef idx="0">
+              <a:schemeClr val="accent1"/>
+            </a:effectRef>
+            <a:fontRef idx="minor">
+              <a:schemeClr val="lt1"/>
+            </a:fontRef>
+          </p:style>
+          <p:txBody>
+            <a:bodyPr rtlCol="0" anchor="ctr"/>
+            <a:lstStyle/>
+            <a:p>
+              <a:pPr algn="ctr"/>
+              <a:endParaRPr lang="en-US"/>
+            </a:p>
+          </p:txBody>
+        </p:sp>
+        <p:sp>
+          <p:nvSpPr>
+            <p:cNvPr id="5" name="Rectangle 4"/>
+            <p:cNvSpPr/>
+            <p:nvPr/>
+          </p:nvSpPr>
+          <p:spPr>
+            <a:xfrm>
+              <a:off x="2774731" y="4124831"/>
+              <a:ext cx="1150883" cy="210686"/>
+            </a:xfrm>
+            <a:prstGeom prst="rect">
+              <a:avLst/>
+            </a:prstGeom>
+            <a:grpFill/>
+            <a:ln>
+              <a:noFill/>
+            </a:ln>
+          </p:spPr>
+          <p:style>
+            <a:lnRef idx="2">
+              <a:schemeClr val="accent1">
+                <a:shade val="50000"/>
+              </a:schemeClr>
+            </a:lnRef>
+            <a:fillRef idx="1">
+              <a:schemeClr val="accent1"/>
+            </a:fillRef>
+            <a:effectRef idx="0">
+              <a:schemeClr val="accent1"/>
+            </a:effectRef>
+            <a:fontRef idx="minor">
+              <a:schemeClr val="lt1"/>
+            </a:fontRef>
+          </p:style>
+          <p:txBody>
+            <a:bodyPr rtlCol="0" anchor="ctr"/>
+            <a:lstStyle/>
+            <a:p>
+              <a:pPr algn="ctr"/>
+              <a:endParaRPr lang="en-US"/>
+            </a:p>
+          </p:txBody>
+        </p:sp>
+        <p:sp>
+          <p:nvSpPr>
+            <p:cNvPr id="6" name="Rectangle 5"/>
+            <p:cNvSpPr/>
+            <p:nvPr/>
+          </p:nvSpPr>
+          <p:spPr>
+            <a:xfrm>
+              <a:off x="3111333" y="4687507"/>
+              <a:ext cx="167210" cy="536369"/>
+            </a:xfrm>
+            <a:prstGeom prst="rect">
+              <a:avLst/>
+            </a:prstGeom>
+            <a:grpFill/>
+            <a:ln>
+              <a:noFill/>
+            </a:ln>
+          </p:spPr>
+          <p:style>
+            <a:lnRef idx="2">
+              <a:schemeClr val="accent1">
+                <a:shade val="50000"/>
+              </a:schemeClr>
+            </a:lnRef>
+            <a:fillRef idx="1">
+              <a:schemeClr val="accent1"/>
+            </a:fillRef>
+            <a:effectRef idx="0">
+              <a:schemeClr val="accent1"/>
+            </a:effectRef>
+            <a:fontRef idx="minor">
+              <a:schemeClr val="lt1"/>
+            </a:fontRef>
+          </p:style>
+          <p:txBody>
+            <a:bodyPr rtlCol="0" anchor="ctr"/>
+            <a:lstStyle/>
+            <a:p>
+              <a:pPr algn="ctr"/>
+              <a:endParaRPr lang="en-US"/>
+            </a:p>
+          </p:txBody>
+        </p:sp>
+        <p:sp>
+          <p:nvSpPr>
+            <p:cNvPr id="7" name="Rectangle 6"/>
+            <p:cNvSpPr/>
+            <p:nvPr/>
+          </p:nvSpPr>
+          <p:spPr>
+            <a:xfrm>
+              <a:off x="3437154" y="4682248"/>
+              <a:ext cx="167210" cy="536369"/>
+            </a:xfrm>
+            <a:prstGeom prst="rect">
+              <a:avLst/>
+            </a:prstGeom>
+            <a:grpFill/>
+            <a:ln>
+              <a:noFill/>
+            </a:ln>
+          </p:spPr>
+          <p:style>
+            <a:lnRef idx="2">
+              <a:schemeClr val="accent1">
+                <a:shade val="50000"/>
+              </a:schemeClr>
+            </a:lnRef>
+            <a:fillRef idx="1">
+              <a:schemeClr val="accent1"/>
+            </a:fillRef>
+            <a:effectRef idx="0">
+              <a:schemeClr val="accent1"/>
+            </a:effectRef>
+            <a:fontRef idx="minor">
+              <a:schemeClr val="lt1"/>
+            </a:fontRef>
+          </p:style>
+          <p:txBody>
+            <a:bodyPr rtlCol="0" anchor="ctr"/>
+            <a:lstStyle/>
+            <a:p>
+              <a:pPr algn="ctr"/>
+              <a:endParaRPr lang="en-US"/>
+            </a:p>
+          </p:txBody>
+        </p:sp>
+      </p:grpSp>
+      <p:grpSp>
+        <p:nvGrpSpPr>
+          <p:cNvPr id="8" name="Group 7"/>
+          <p:cNvGrpSpPr/>
+          <p:nvPr/>
+        </p:nvGrpSpPr>
+        <p:grpSpPr>
+          <a:xfrm>
+            <a:off x="7127088" y="873234"/>
+            <a:ext cx="1150883" cy="1613777"/>
+            <a:chOff x="2774731" y="3610099"/>
+            <a:chExt cx="1150883" cy="1613777"/>
+          </a:xfrm>
+        </p:grpSpPr>
+        <p:sp>
+          <p:nvSpPr>
+            <p:cNvPr id="9" name="Oval 8"/>
+            <p:cNvSpPr/>
+            <p:nvPr/>
+          </p:nvSpPr>
+          <p:spPr>
+            <a:xfrm>
+              <a:off x="3111335" y="3610099"/>
+              <a:ext cx="498764" cy="510639"/>
+            </a:xfrm>
+            <a:prstGeom prst="ellipse">
+              <a:avLst/>
+            </a:prstGeom>
+            <a:ln>
+              <a:noFill/>
+            </a:ln>
+          </p:spPr>
+          <p:style>
+            <a:lnRef idx="2">
+              <a:schemeClr val="accent1">
+                <a:shade val="50000"/>
+              </a:schemeClr>
+            </a:lnRef>
+            <a:fillRef idx="1">
+              <a:schemeClr val="accent1"/>
+            </a:fillRef>
+            <a:effectRef idx="0">
+              <a:schemeClr val="accent1"/>
+            </a:effectRef>
+            <a:fontRef idx="minor">
+              <a:schemeClr val="lt1"/>
+            </a:fontRef>
+          </p:style>
+          <p:txBody>
+            <a:bodyPr rtlCol="0" anchor="ctr"/>
+            <a:lstStyle/>
+            <a:p>
+              <a:pPr algn="ctr"/>
+              <a:endParaRPr lang="en-US"/>
+            </a:p>
+          </p:txBody>
+        </p:sp>
+        <p:sp>
+          <p:nvSpPr>
+            <p:cNvPr id="10" name="Rounded Rectangle 9"/>
+            <p:cNvSpPr/>
+            <p:nvPr/>
+          </p:nvSpPr>
+          <p:spPr>
+            <a:xfrm>
+              <a:off x="3111334" y="4120738"/>
+              <a:ext cx="498765" cy="624574"/>
+            </a:xfrm>
+            <a:prstGeom prst="roundRect">
+              <a:avLst/>
+            </a:prstGeom>
+            <a:ln>
+              <a:noFill/>
+            </a:ln>
+          </p:spPr>
+          <p:style>
+            <a:lnRef idx="2">
+              <a:schemeClr val="accent1">
+                <a:shade val="50000"/>
+              </a:schemeClr>
+            </a:lnRef>
+            <a:fillRef idx="1">
+              <a:schemeClr val="accent1"/>
+            </a:fillRef>
+            <a:effectRef idx="0">
+              <a:schemeClr val="accent1"/>
+            </a:effectRef>
+            <a:fontRef idx="minor">
+              <a:schemeClr val="lt1"/>
+            </a:fontRef>
+          </p:style>
+          <p:txBody>
+            <a:bodyPr rtlCol="0" anchor="ctr"/>
+            <a:lstStyle/>
+            <a:p>
+              <a:pPr algn="ctr"/>
+              <a:endParaRPr lang="en-US"/>
+            </a:p>
+          </p:txBody>
+        </p:sp>
+        <p:sp>
+          <p:nvSpPr>
+            <p:cNvPr id="11" name="Rectangle 10"/>
+            <p:cNvSpPr/>
+            <p:nvPr/>
+          </p:nvSpPr>
+          <p:spPr>
+            <a:xfrm>
+              <a:off x="2774731" y="4124831"/>
+              <a:ext cx="1150883" cy="210686"/>
+            </a:xfrm>
+            <a:prstGeom prst="rect">
+              <a:avLst/>
+            </a:prstGeom>
+            <a:ln>
+              <a:noFill/>
+            </a:ln>
+          </p:spPr>
+          <p:style>
+            <a:lnRef idx="2">
+              <a:schemeClr val="accent1">
+                <a:shade val="50000"/>
+              </a:schemeClr>
+            </a:lnRef>
+            <a:fillRef idx="1">
+              <a:schemeClr val="accent1"/>
+            </a:fillRef>
+            <a:effectRef idx="0">
+              <a:schemeClr val="accent1"/>
+            </a:effectRef>
+            <a:fontRef idx="minor">
+              <a:schemeClr val="lt1"/>
+            </a:fontRef>
+          </p:style>
+          <p:txBody>
+            <a:bodyPr rtlCol="0" anchor="ctr"/>
+            <a:lstStyle/>
+            <a:p>
+              <a:pPr algn="ctr"/>
+              <a:endParaRPr lang="en-US"/>
+            </a:p>
+          </p:txBody>
+        </p:sp>
+        <p:sp>
+          <p:nvSpPr>
+            <p:cNvPr id="12" name="Rectangle 11"/>
+            <p:cNvSpPr/>
+            <p:nvPr/>
+          </p:nvSpPr>
+          <p:spPr>
+            <a:xfrm>
+              <a:off x="3111333" y="4687507"/>
+              <a:ext cx="167210" cy="536369"/>
+            </a:xfrm>
+            <a:prstGeom prst="rect">
+              <a:avLst/>
+            </a:prstGeom>
+            <a:ln>
+              <a:noFill/>
+            </a:ln>
+          </p:spPr>
+          <p:style>
+            <a:lnRef idx="2">
+              <a:schemeClr val="accent1">
+                <a:shade val="50000"/>
+              </a:schemeClr>
+            </a:lnRef>
+            <a:fillRef idx="1">
+              <a:schemeClr val="accent1"/>
+            </a:fillRef>
+            <a:effectRef idx="0">
+              <a:schemeClr val="accent1"/>
+            </a:effectRef>
+            <a:fontRef idx="minor">
+              <a:schemeClr val="lt1"/>
+            </a:fontRef>
+          </p:style>
+          <p:txBody>
+            <a:bodyPr rtlCol="0" anchor="ctr"/>
+            <a:lstStyle/>
+            <a:p>
+              <a:pPr algn="ctr"/>
+              <a:endParaRPr lang="en-US"/>
+            </a:p>
+          </p:txBody>
+        </p:sp>
+        <p:sp>
+          <p:nvSpPr>
+            <p:cNvPr id="13" name="Rectangle 12"/>
+            <p:cNvSpPr/>
+            <p:nvPr/>
+          </p:nvSpPr>
+          <p:spPr>
+            <a:xfrm>
+              <a:off x="3437154" y="4682248"/>
+              <a:ext cx="167210" cy="536369"/>
+            </a:xfrm>
+            <a:prstGeom prst="rect">
+              <a:avLst/>
+            </a:prstGeom>
+            <a:ln>
+              <a:noFill/>
+            </a:ln>
+          </p:spPr>
+          <p:style>
+            <a:lnRef idx="2">
+              <a:schemeClr val="accent1">
+                <a:shade val="50000"/>
+              </a:schemeClr>
+            </a:lnRef>
+            <a:fillRef idx="1">
+              <a:schemeClr val="accent1"/>
+            </a:fillRef>
+            <a:effectRef idx="0">
+              <a:schemeClr val="accent1"/>
+            </a:effectRef>
+            <a:fontRef idx="minor">
+              <a:schemeClr val="lt1"/>
+            </a:fontRef>
+          </p:style>
+          <p:txBody>
+            <a:bodyPr rtlCol="0" anchor="ctr"/>
+            <a:lstStyle/>
+            <a:p>
+              <a:pPr algn="ctr"/>
+              <a:endParaRPr lang="en-US"/>
+            </a:p>
+          </p:txBody>
+        </p:sp>
+      </p:grpSp>
+      <p:grpSp>
+        <p:nvGrpSpPr>
+          <p:cNvPr id="14" name="Group 13"/>
+          <p:cNvGrpSpPr/>
+          <p:nvPr/>
+        </p:nvGrpSpPr>
+        <p:grpSpPr>
+          <a:xfrm>
+            <a:off x="5661255" y="825123"/>
+            <a:ext cx="1150883" cy="1613777"/>
+            <a:chOff x="2774731" y="3610099"/>
+            <a:chExt cx="1150883" cy="1613777"/>
+          </a:xfrm>
+        </p:grpSpPr>
+        <p:sp>
+          <p:nvSpPr>
+            <p:cNvPr id="15" name="Oval 14"/>
+            <p:cNvSpPr/>
+            <p:nvPr/>
+          </p:nvSpPr>
+          <p:spPr>
+            <a:xfrm>
+              <a:off x="3111335" y="3610099"/>
+              <a:ext cx="498764" cy="510639"/>
+            </a:xfrm>
+            <a:prstGeom prst="ellipse">
+              <a:avLst/>
+            </a:prstGeom>
+            <a:ln>
+              <a:noFill/>
+            </a:ln>
+          </p:spPr>
+          <p:style>
+            <a:lnRef idx="2">
+              <a:schemeClr val="accent1">
+                <a:shade val="50000"/>
+              </a:schemeClr>
+            </a:lnRef>
+            <a:fillRef idx="1">
+              <a:schemeClr val="accent1"/>
+            </a:fillRef>
+            <a:effectRef idx="0">
+              <a:schemeClr val="accent1"/>
+            </a:effectRef>
+            <a:fontRef idx="minor">
+              <a:schemeClr val="lt1"/>
+            </a:fontRef>
+          </p:style>
+          <p:txBody>
+            <a:bodyPr rtlCol="0" anchor="ctr"/>
+            <a:lstStyle/>
+            <a:p>
+              <a:pPr algn="ctr"/>
+              <a:endParaRPr lang="en-US"/>
+            </a:p>
+          </p:txBody>
+        </p:sp>
+        <p:sp>
+          <p:nvSpPr>
+            <p:cNvPr id="16" name="Rounded Rectangle 15"/>
+            <p:cNvSpPr/>
+            <p:nvPr/>
+          </p:nvSpPr>
+          <p:spPr>
+            <a:xfrm>
+              <a:off x="3111334" y="4120738"/>
+              <a:ext cx="498765" cy="624574"/>
+            </a:xfrm>
+            <a:prstGeom prst="roundRect">
+              <a:avLst/>
+            </a:prstGeom>
+            <a:ln>
+              <a:noFill/>
+            </a:ln>
+          </p:spPr>
+          <p:style>
+            <a:lnRef idx="2">
+              <a:schemeClr val="accent1">
+                <a:shade val="50000"/>
+              </a:schemeClr>
+            </a:lnRef>
+            <a:fillRef idx="1">
+              <a:schemeClr val="accent1"/>
+            </a:fillRef>
+            <a:effectRef idx="0">
+              <a:schemeClr val="accent1"/>
+            </a:effectRef>
+            <a:fontRef idx="minor">
+              <a:schemeClr val="lt1"/>
+            </a:fontRef>
+          </p:style>
+          <p:txBody>
+            <a:bodyPr rtlCol="0" anchor="ctr"/>
+            <a:lstStyle/>
+            <a:p>
+              <a:pPr algn="ctr"/>
+              <a:endParaRPr lang="en-US"/>
+            </a:p>
+          </p:txBody>
+        </p:sp>
+        <p:sp>
+          <p:nvSpPr>
+            <p:cNvPr id="17" name="Rectangle 16"/>
+            <p:cNvSpPr/>
+            <p:nvPr/>
+          </p:nvSpPr>
+          <p:spPr>
+            <a:xfrm>
+              <a:off x="2774731" y="4124831"/>
+              <a:ext cx="1150883" cy="210686"/>
+            </a:xfrm>
+            <a:prstGeom prst="rect">
+              <a:avLst/>
+            </a:prstGeom>
+            <a:ln>
+              <a:noFill/>
+            </a:ln>
+          </p:spPr>
+          <p:style>
+            <a:lnRef idx="2">
+              <a:schemeClr val="accent1">
+                <a:shade val="50000"/>
+              </a:schemeClr>
+            </a:lnRef>
+            <a:fillRef idx="1">
+              <a:schemeClr val="accent1"/>
+            </a:fillRef>
+            <a:effectRef idx="0">
+              <a:schemeClr val="accent1"/>
+            </a:effectRef>
+            <a:fontRef idx="minor">
+              <a:schemeClr val="lt1"/>
+            </a:fontRef>
+          </p:style>
+          <p:txBody>
+            <a:bodyPr rtlCol="0" anchor="ctr"/>
+            <a:lstStyle/>
+            <a:p>
+              <a:pPr algn="ctr"/>
+              <a:endParaRPr lang="en-US"/>
+            </a:p>
+          </p:txBody>
+        </p:sp>
+        <p:sp>
+          <p:nvSpPr>
+            <p:cNvPr id="18" name="Rectangle 17"/>
+            <p:cNvSpPr/>
+            <p:nvPr/>
+          </p:nvSpPr>
+          <p:spPr>
+            <a:xfrm>
+              <a:off x="3111333" y="4687507"/>
+              <a:ext cx="167210" cy="536369"/>
+            </a:xfrm>
+            <a:prstGeom prst="rect">
+              <a:avLst/>
+            </a:prstGeom>
+            <a:ln>
+              <a:noFill/>
+            </a:ln>
+          </p:spPr>
+          <p:style>
+            <a:lnRef idx="2">
+              <a:schemeClr val="accent1">
+                <a:shade val="50000"/>
+              </a:schemeClr>
+            </a:lnRef>
+            <a:fillRef idx="1">
+              <a:schemeClr val="accent1"/>
+            </a:fillRef>
+            <a:effectRef idx="0">
+              <a:schemeClr val="accent1"/>
+            </a:effectRef>
+            <a:fontRef idx="minor">
+              <a:schemeClr val="lt1"/>
+            </a:fontRef>
+          </p:style>
+          <p:txBody>
+            <a:bodyPr rtlCol="0" anchor="ctr"/>
+            <a:lstStyle/>
+            <a:p>
+              <a:pPr algn="ctr"/>
+              <a:endParaRPr lang="en-US"/>
+            </a:p>
+          </p:txBody>
+        </p:sp>
+        <p:sp>
+          <p:nvSpPr>
+            <p:cNvPr id="19" name="Rectangle 18"/>
+            <p:cNvSpPr/>
+            <p:nvPr/>
+          </p:nvSpPr>
+          <p:spPr>
+            <a:xfrm>
+              <a:off x="3437154" y="4682248"/>
+              <a:ext cx="167210" cy="536369"/>
+            </a:xfrm>
+            <a:prstGeom prst="rect">
+              <a:avLst/>
+            </a:prstGeom>
+            <a:ln>
+              <a:noFill/>
+            </a:ln>
+          </p:spPr>
+          <p:style>
+            <a:lnRef idx="2">
+              <a:schemeClr val="accent1">
+                <a:shade val="50000"/>
+              </a:schemeClr>
+            </a:lnRef>
+            <a:fillRef idx="1">
+              <a:schemeClr val="accent1"/>
+            </a:fillRef>
+            <a:effectRef idx="0">
+              <a:schemeClr val="accent1"/>
+            </a:effectRef>
+            <a:fontRef idx="minor">
+              <a:schemeClr val="lt1"/>
+            </a:fontRef>
+          </p:style>
+          <p:txBody>
+            <a:bodyPr rtlCol="0" anchor="ctr"/>
+            <a:lstStyle/>
+            <a:p>
+              <a:pPr algn="ctr"/>
+              <a:endParaRPr lang="en-US"/>
+            </a:p>
+          </p:txBody>
+        </p:sp>
+      </p:grpSp>
+      <p:grpSp>
+        <p:nvGrpSpPr>
+          <p:cNvPr id="20" name="Group 19"/>
+          <p:cNvGrpSpPr/>
+          <p:nvPr/>
+        </p:nvGrpSpPr>
+        <p:grpSpPr>
+          <a:xfrm>
+            <a:off x="8546762" y="872963"/>
+            <a:ext cx="1150883" cy="1613777"/>
+            <a:chOff x="2774731" y="3610099"/>
+            <a:chExt cx="1150883" cy="1613777"/>
+          </a:xfrm>
+        </p:grpSpPr>
+        <p:sp>
+          <p:nvSpPr>
+            <p:cNvPr id="21" name="Oval 20"/>
+            <p:cNvSpPr/>
+            <p:nvPr/>
+          </p:nvSpPr>
+          <p:spPr>
+            <a:xfrm>
+              <a:off x="3111335" y="3610099"/>
+              <a:ext cx="498764" cy="510639"/>
+            </a:xfrm>
+            <a:prstGeom prst="ellipse">
+              <a:avLst/>
+            </a:prstGeom>
+            <a:ln>
+              <a:noFill/>
+            </a:ln>
+          </p:spPr>
+          <p:style>
+            <a:lnRef idx="2">
+              <a:schemeClr val="accent1">
+                <a:shade val="50000"/>
+              </a:schemeClr>
+            </a:lnRef>
+            <a:fillRef idx="1">
+              <a:schemeClr val="accent1"/>
+            </a:fillRef>
+            <a:effectRef idx="0">
+              <a:schemeClr val="accent1"/>
+            </a:effectRef>
+            <a:fontRef idx="minor">
+              <a:schemeClr val="lt1"/>
+            </a:fontRef>
+          </p:style>
+          <p:txBody>
+            <a:bodyPr rtlCol="0" anchor="ctr"/>
+            <a:lstStyle/>
+            <a:p>
+              <a:pPr algn="ctr"/>
+              <a:endParaRPr lang="en-US"/>
+            </a:p>
+          </p:txBody>
+        </p:sp>
+        <p:sp>
+          <p:nvSpPr>
+            <p:cNvPr id="22" name="Rounded Rectangle 21"/>
+            <p:cNvSpPr/>
+            <p:nvPr/>
+          </p:nvSpPr>
+          <p:spPr>
+            <a:xfrm>
+              <a:off x="3111334" y="4120738"/>
+              <a:ext cx="498765" cy="624574"/>
+            </a:xfrm>
+            <a:prstGeom prst="roundRect">
+              <a:avLst/>
+            </a:prstGeom>
+            <a:ln>
+              <a:noFill/>
+            </a:ln>
+          </p:spPr>
+          <p:style>
+            <a:lnRef idx="2">
+              <a:schemeClr val="accent1">
+                <a:shade val="50000"/>
+              </a:schemeClr>
+            </a:lnRef>
+            <a:fillRef idx="1">
+              <a:schemeClr val="accent1"/>
+            </a:fillRef>
+            <a:effectRef idx="0">
+              <a:schemeClr val="accent1"/>
+            </a:effectRef>
+            <a:fontRef idx="minor">
+              <a:schemeClr val="lt1"/>
+            </a:fontRef>
+          </p:style>
+          <p:txBody>
+            <a:bodyPr rtlCol="0" anchor="ctr"/>
+            <a:lstStyle/>
+            <a:p>
+              <a:pPr algn="ctr"/>
+              <a:endParaRPr lang="en-US"/>
+            </a:p>
+          </p:txBody>
+        </p:sp>
+        <p:sp>
+          <p:nvSpPr>
+            <p:cNvPr id="23" name="Rectangle 22"/>
+            <p:cNvSpPr/>
+            <p:nvPr/>
+          </p:nvSpPr>
+          <p:spPr>
+            <a:xfrm>
+              <a:off x="2774731" y="4124831"/>
+              <a:ext cx="1150883" cy="210686"/>
+            </a:xfrm>
+            <a:prstGeom prst="rect">
+              <a:avLst/>
+            </a:prstGeom>
+            <a:ln>
+              <a:noFill/>
+            </a:ln>
+          </p:spPr>
+          <p:style>
+            <a:lnRef idx="2">
+              <a:schemeClr val="accent1">
+                <a:shade val="50000"/>
+              </a:schemeClr>
+            </a:lnRef>
+            <a:fillRef idx="1">
+              <a:schemeClr val="accent1"/>
+            </a:fillRef>
+            <a:effectRef idx="0">
+              <a:schemeClr val="accent1"/>
+            </a:effectRef>
+            <a:fontRef idx="minor">
+              <a:schemeClr val="lt1"/>
+            </a:fontRef>
+          </p:style>
+          <p:txBody>
+            <a:bodyPr rtlCol="0" anchor="ctr"/>
+            <a:lstStyle/>
+            <a:p>
+              <a:pPr algn="ctr"/>
+              <a:endParaRPr lang="en-US"/>
+            </a:p>
+          </p:txBody>
+        </p:sp>
+        <p:sp>
+          <p:nvSpPr>
+            <p:cNvPr id="24" name="Rectangle 23"/>
+            <p:cNvSpPr/>
+            <p:nvPr/>
+          </p:nvSpPr>
+          <p:spPr>
+            <a:xfrm>
+              <a:off x="3111333" y="4687507"/>
+              <a:ext cx="167210" cy="536369"/>
+            </a:xfrm>
+            <a:prstGeom prst="rect">
+              <a:avLst/>
+            </a:prstGeom>
+            <a:ln>
+              <a:noFill/>
+            </a:ln>
+          </p:spPr>
+          <p:style>
+            <a:lnRef idx="2">
+              <a:schemeClr val="accent1">
+                <a:shade val="50000"/>
+              </a:schemeClr>
+            </a:lnRef>
+            <a:fillRef idx="1">
+              <a:schemeClr val="accent1"/>
+            </a:fillRef>
+            <a:effectRef idx="0">
+              <a:schemeClr val="accent1"/>
+            </a:effectRef>
+            <a:fontRef idx="minor">
+              <a:schemeClr val="lt1"/>
+            </a:fontRef>
+          </p:style>
+          <p:txBody>
+            <a:bodyPr rtlCol="0" anchor="ctr"/>
+            <a:lstStyle/>
+            <a:p>
+              <a:pPr algn="ctr"/>
+              <a:endParaRPr lang="en-US"/>
+            </a:p>
+          </p:txBody>
+        </p:sp>
+        <p:sp>
+          <p:nvSpPr>
+            <p:cNvPr id="25" name="Rectangle 24"/>
+            <p:cNvSpPr/>
+            <p:nvPr/>
+          </p:nvSpPr>
+          <p:spPr>
+            <a:xfrm>
+              <a:off x="3437154" y="4682248"/>
+              <a:ext cx="167210" cy="536369"/>
+            </a:xfrm>
+            <a:prstGeom prst="rect">
+              <a:avLst/>
+            </a:prstGeom>
+            <a:ln>
+              <a:noFill/>
+            </a:ln>
+          </p:spPr>
+          <p:style>
+            <a:lnRef idx="2">
+              <a:schemeClr val="accent1">
+                <a:shade val="50000"/>
+              </a:schemeClr>
+            </a:lnRef>
+            <a:fillRef idx="1">
+              <a:schemeClr val="accent1"/>
+            </a:fillRef>
+            <a:effectRef idx="0">
+              <a:schemeClr val="accent1"/>
+            </a:effectRef>
+            <a:fontRef idx="minor">
+              <a:schemeClr val="lt1"/>
+            </a:fontRef>
+          </p:style>
+          <p:txBody>
+            <a:bodyPr rtlCol="0" anchor="ctr"/>
+            <a:lstStyle/>
+            <a:p>
+              <a:pPr algn="ctr"/>
+              <a:endParaRPr lang="en-US"/>
+            </a:p>
+          </p:txBody>
+        </p:sp>
+      </p:grpSp>
+      <p:grpSp>
+        <p:nvGrpSpPr>
+          <p:cNvPr id="26" name="Group 25"/>
+          <p:cNvGrpSpPr/>
+          <p:nvPr/>
+        </p:nvGrpSpPr>
+        <p:grpSpPr>
+          <a:xfrm>
+            <a:off x="9943950" y="912454"/>
+            <a:ext cx="1150883" cy="1613777"/>
+            <a:chOff x="2774731" y="3610099"/>
+            <a:chExt cx="1150883" cy="1613777"/>
+          </a:xfrm>
+        </p:grpSpPr>
+        <p:sp>
+          <p:nvSpPr>
+            <p:cNvPr id="27" name="Oval 26"/>
+            <p:cNvSpPr/>
+            <p:nvPr/>
+          </p:nvSpPr>
+          <p:spPr>
+            <a:xfrm>
+              <a:off x="3111335" y="3610099"/>
+              <a:ext cx="498764" cy="510639"/>
+            </a:xfrm>
+            <a:prstGeom prst="ellipse">
+              <a:avLst/>
+            </a:prstGeom>
+            <a:ln>
+              <a:noFill/>
+            </a:ln>
+          </p:spPr>
+          <p:style>
+            <a:lnRef idx="2">
+              <a:schemeClr val="accent1">
+                <a:shade val="50000"/>
+              </a:schemeClr>
+            </a:lnRef>
+            <a:fillRef idx="1">
+              <a:schemeClr val="accent1"/>
+            </a:fillRef>
+            <a:effectRef idx="0">
+              <a:schemeClr val="accent1"/>
+            </a:effectRef>
+            <a:fontRef idx="minor">
+              <a:schemeClr val="lt1"/>
+            </a:fontRef>
+          </p:style>
+          <p:txBody>
+            <a:bodyPr rtlCol="0" anchor="ctr"/>
+            <a:lstStyle/>
+            <a:p>
+              <a:pPr algn="ctr"/>
+              <a:endParaRPr lang="en-US"/>
+            </a:p>
+          </p:txBody>
+        </p:sp>
+        <p:sp>
+          <p:nvSpPr>
+            <p:cNvPr id="28" name="Rounded Rectangle 27"/>
+            <p:cNvSpPr/>
+            <p:nvPr/>
+          </p:nvSpPr>
+          <p:spPr>
+            <a:xfrm>
+              <a:off x="3111334" y="4120738"/>
+              <a:ext cx="498765" cy="624574"/>
+            </a:xfrm>
+            <a:prstGeom prst="roundRect">
+              <a:avLst/>
+            </a:prstGeom>
+            <a:ln>
+              <a:noFill/>
+            </a:ln>
+          </p:spPr>
+          <p:style>
+            <a:lnRef idx="2">
+              <a:schemeClr val="accent1">
+                <a:shade val="50000"/>
+              </a:schemeClr>
+            </a:lnRef>
+            <a:fillRef idx="1">
+              <a:schemeClr val="accent1"/>
+            </a:fillRef>
+            <a:effectRef idx="0">
+              <a:schemeClr val="accent1"/>
+            </a:effectRef>
+            <a:fontRef idx="minor">
+              <a:schemeClr val="lt1"/>
+            </a:fontRef>
+          </p:style>
+          <p:txBody>
+            <a:bodyPr rtlCol="0" anchor="ctr"/>
+            <a:lstStyle/>
+            <a:p>
+              <a:pPr algn="ctr"/>
+              <a:endParaRPr lang="en-US"/>
+            </a:p>
+          </p:txBody>
+        </p:sp>
+        <p:sp>
+          <p:nvSpPr>
+            <p:cNvPr id="29" name="Rectangle 28"/>
+            <p:cNvSpPr/>
+            <p:nvPr/>
+          </p:nvSpPr>
+          <p:spPr>
+            <a:xfrm>
+              <a:off x="2774731" y="4124831"/>
+              <a:ext cx="1150883" cy="210686"/>
+            </a:xfrm>
+            <a:prstGeom prst="rect">
+              <a:avLst/>
+            </a:prstGeom>
+            <a:ln>
+              <a:noFill/>
+            </a:ln>
+          </p:spPr>
+          <p:style>
+            <a:lnRef idx="2">
+              <a:schemeClr val="accent1">
+                <a:shade val="50000"/>
+              </a:schemeClr>
+            </a:lnRef>
+            <a:fillRef idx="1">
+              <a:schemeClr val="accent1"/>
+            </a:fillRef>
+            <a:effectRef idx="0">
+              <a:schemeClr val="accent1"/>
+            </a:effectRef>
+            <a:fontRef idx="minor">
+              <a:schemeClr val="lt1"/>
+            </a:fontRef>
+          </p:style>
+          <p:txBody>
+            <a:bodyPr rtlCol="0" anchor="ctr"/>
+            <a:lstStyle/>
+            <a:p>
+              <a:pPr algn="ctr"/>
+              <a:endParaRPr lang="en-US"/>
+            </a:p>
+          </p:txBody>
+        </p:sp>
+        <p:sp>
+          <p:nvSpPr>
+            <p:cNvPr id="30" name="Rectangle 29"/>
+            <p:cNvSpPr/>
+            <p:nvPr/>
+          </p:nvSpPr>
+          <p:spPr>
+            <a:xfrm>
+              <a:off x="3111333" y="4687507"/>
+              <a:ext cx="167210" cy="536369"/>
+            </a:xfrm>
+            <a:prstGeom prst="rect">
+              <a:avLst/>
+            </a:prstGeom>
+            <a:ln>
+              <a:noFill/>
+            </a:ln>
+          </p:spPr>
+          <p:style>
+            <a:lnRef idx="2">
+              <a:schemeClr val="accent1">
+                <a:shade val="50000"/>
+              </a:schemeClr>
+            </a:lnRef>
+            <a:fillRef idx="1">
+              <a:schemeClr val="accent1"/>
+            </a:fillRef>
+            <a:effectRef idx="0">
+              <a:schemeClr val="accent1"/>
+            </a:effectRef>
+            <a:fontRef idx="minor">
+              <a:schemeClr val="lt1"/>
+            </a:fontRef>
+          </p:style>
+          <p:txBody>
+            <a:bodyPr rtlCol="0" anchor="ctr"/>
+            <a:lstStyle/>
+            <a:p>
+              <a:pPr algn="ctr"/>
+              <a:endParaRPr lang="en-US"/>
+            </a:p>
+          </p:txBody>
+        </p:sp>
+        <p:sp>
+          <p:nvSpPr>
+            <p:cNvPr id="31" name="Rectangle 30"/>
+            <p:cNvSpPr/>
+            <p:nvPr/>
+          </p:nvSpPr>
+          <p:spPr>
+            <a:xfrm>
+              <a:off x="3452920" y="4682248"/>
+              <a:ext cx="167210" cy="536369"/>
+            </a:xfrm>
+            <a:prstGeom prst="rect">
+              <a:avLst/>
+            </a:prstGeom>
+            <a:ln>
+              <a:noFill/>
+            </a:ln>
+          </p:spPr>
+          <p:style>
+            <a:lnRef idx="2">
+              <a:schemeClr val="accent1">
+                <a:shade val="50000"/>
+              </a:schemeClr>
+            </a:lnRef>
+            <a:fillRef idx="1">
+              <a:schemeClr val="accent1"/>
+            </a:fillRef>
+            <a:effectRef idx="0">
+              <a:schemeClr val="accent1"/>
+            </a:effectRef>
+            <a:fontRef idx="minor">
+              <a:schemeClr val="lt1"/>
+            </a:fontRef>
+          </p:style>
+          <p:txBody>
+            <a:bodyPr rtlCol="0" anchor="ctr"/>
+            <a:lstStyle/>
+            <a:p>
+              <a:pPr algn="ctr"/>
+              <a:endParaRPr lang="en-US"/>
+            </a:p>
+          </p:txBody>
+        </p:sp>
+      </p:grpSp>
+      <p:sp>
+        <p:nvSpPr>
+          <p:cNvPr id="32" name="Can 31"/>
+          <p:cNvSpPr/>
+          <p:nvPr/>
+        </p:nvSpPr>
+        <p:spPr>
+          <a:xfrm>
+            <a:off x="6202382" y="5062396"/>
+            <a:ext cx="593968" cy="646386"/>
+          </a:xfrm>
+          <a:prstGeom prst="can">
+            <a:avLst/>
+          </a:prstGeom>
+          <a:solidFill>
+            <a:schemeClr val="tx1"/>
+          </a:solidFill>
+        </p:spPr>
+        <p:style>
+          <a:lnRef idx="2">
+            <a:schemeClr val="accent1">
+              <a:shade val="50000"/>
+            </a:schemeClr>
+          </a:lnRef>
+          <a:fillRef idx="1">
+            <a:schemeClr val="accent1"/>
+          </a:fillRef>
+          <a:effectRef idx="0">
+            <a:schemeClr val="accent1"/>
+          </a:effectRef>
+          <a:fontRef idx="minor">
+            <a:schemeClr val="lt1"/>
+          </a:fontRef>
+        </p:style>
+        <p:txBody>
+          <a:bodyPr rtlCol="0" anchor="ctr"/>
+          <a:lstStyle/>
+          <a:p>
+            <a:pPr algn="ctr"/>
+            <a:endParaRPr lang="en-US"/>
+          </a:p>
+        </p:txBody>
+      </p:sp>
+      <p:sp>
+        <p:nvSpPr>
+          <p:cNvPr id="33" name="Can 32"/>
+          <p:cNvSpPr/>
+          <p:nvPr/>
+        </p:nvSpPr>
+        <p:spPr>
+          <a:xfrm>
+            <a:off x="4134577" y="4084245"/>
+            <a:ext cx="1670455" cy="1787413"/>
+          </a:xfrm>
+          <a:prstGeom prst="can">
+            <a:avLst/>
+          </a:prstGeom>
+        </p:spPr>
+        <p:style>
+          <a:lnRef idx="2">
+            <a:schemeClr val="accent1">
+              <a:shade val="50000"/>
+            </a:schemeClr>
+          </a:lnRef>
+          <a:fillRef idx="1">
+            <a:schemeClr val="accent1"/>
+          </a:fillRef>
+          <a:effectRef idx="0">
+            <a:schemeClr val="accent1"/>
+          </a:effectRef>
+          <a:fontRef idx="minor">
+            <a:schemeClr val="lt1"/>
+          </a:fontRef>
+        </p:style>
+        <p:txBody>
+          <a:bodyPr rtlCol="0" anchor="ctr"/>
+          <a:lstStyle/>
+          <a:p>
+            <a:pPr algn="ctr"/>
+            <a:endParaRPr lang="en-US"/>
+          </a:p>
+        </p:txBody>
+      </p:sp>
+      <p:sp>
+        <p:nvSpPr>
+          <p:cNvPr id="34" name="Cube 33"/>
+          <p:cNvSpPr/>
+          <p:nvPr/>
+        </p:nvSpPr>
+        <p:spPr>
+          <a:xfrm>
+            <a:off x="6144641" y="4399445"/>
+            <a:ext cx="709449" cy="652326"/>
+          </a:xfrm>
+          <a:prstGeom prst="cube">
+            <a:avLst/>
+          </a:prstGeom>
+          <a:solidFill>
+            <a:schemeClr val="tx1"/>
+          </a:solidFill>
+        </p:spPr>
+        <p:style>
+          <a:lnRef idx="2">
+            <a:schemeClr val="accent1">
+              <a:shade val="50000"/>
+            </a:schemeClr>
+          </a:lnRef>
+          <a:fillRef idx="1">
+            <a:schemeClr val="accent1"/>
+          </a:fillRef>
+          <a:effectRef idx="0">
+            <a:schemeClr val="accent1"/>
+          </a:effectRef>
+          <a:fontRef idx="minor">
+            <a:schemeClr val="lt1"/>
+          </a:fontRef>
+        </p:style>
+        <p:txBody>
+          <a:bodyPr rtlCol="0" anchor="ctr"/>
+          <a:lstStyle/>
+          <a:p>
+            <a:pPr algn="ctr"/>
+            <a:endParaRPr lang="en-US"/>
+          </a:p>
+        </p:txBody>
+      </p:sp>
+      <p:sp>
+        <p:nvSpPr>
+          <p:cNvPr id="35" name="Cube 34"/>
+          <p:cNvSpPr/>
+          <p:nvPr/>
+        </p:nvSpPr>
+        <p:spPr>
+          <a:xfrm>
+            <a:off x="1697955" y="4108616"/>
+            <a:ext cx="2158997" cy="1830650"/>
+          </a:xfrm>
+          <a:prstGeom prst="cube">
+            <a:avLst/>
+          </a:prstGeom>
+        </p:spPr>
+        <p:style>
+          <a:lnRef idx="2">
+            <a:schemeClr val="accent1">
+              <a:shade val="50000"/>
+            </a:schemeClr>
+          </a:lnRef>
+          <a:fillRef idx="1">
+            <a:schemeClr val="accent1"/>
+          </a:fillRef>
+          <a:effectRef idx="0">
+            <a:schemeClr val="accent1"/>
+          </a:effectRef>
+          <a:fontRef idx="minor">
+            <a:schemeClr val="lt1"/>
+          </a:fontRef>
+        </p:style>
+        <p:txBody>
+          <a:bodyPr rtlCol="0" anchor="ctr"/>
+          <a:lstStyle/>
+          <a:p>
+            <a:pPr algn="ctr"/>
+            <a:endParaRPr lang="en-US"/>
+          </a:p>
+        </p:txBody>
+      </p:sp>
+      <p:sp>
+        <p:nvSpPr>
+          <p:cNvPr id="36" name="TextBox 35"/>
+          <p:cNvSpPr txBox="1"/>
+          <p:nvPr/>
+        </p:nvSpPr>
+        <p:spPr>
+          <a:xfrm>
+            <a:off x="4840858" y="1353224"/>
+            <a:ext cx="675185" cy="954107"/>
+          </a:xfrm>
+          <a:prstGeom prst="rect">
+            <a:avLst/>
+          </a:prstGeom>
+          <a:solidFill>
+            <a:schemeClr val="bg1">
+              <a:lumMod val="75000"/>
+            </a:schemeClr>
+          </a:solidFill>
+        </p:spPr>
+        <p:txBody>
+          <a:bodyPr wrap="none" rtlCol="0">
+            <a:spAutoFit/>
+          </a:bodyPr>
+          <a:lstStyle/>
+          <a:p>
+            <a:r>
+              <a:rPr lang="en-US" sz="1400" dirty="0" smtClean="0"/>
+              <a:t>A ------</a:t>
+            </a:r>
+            <a:br>
+              <a:rPr lang="en-US" sz="1400" dirty="0" smtClean="0"/>
+            </a:br>
+            <a:r>
+              <a:rPr lang="en-US" sz="1400" dirty="0" smtClean="0"/>
+              <a:t>---------</a:t>
+            </a:r>
+          </a:p>
+          <a:p>
+            <a:r>
+              <a:rPr lang="en-US" sz="1400" dirty="0" smtClean="0"/>
+              <a:t>---------</a:t>
+            </a:r>
+            <a:endParaRPr lang="en-US" sz="1400" dirty="0" smtClean="0"/>
+          </a:p>
+          <a:p>
+            <a:r>
+              <a:rPr lang="en-US" sz="1400" dirty="0" smtClean="0"/>
+              <a:t>---------</a:t>
+            </a:r>
+            <a:endParaRPr lang="en-US" sz="1400" dirty="0"/>
+          </a:p>
+        </p:txBody>
+      </p:sp>
+      <p:sp>
+        <p:nvSpPr>
+          <p:cNvPr id="37" name="Cloud 36"/>
+          <p:cNvSpPr/>
+          <p:nvPr/>
+        </p:nvSpPr>
+        <p:spPr>
+          <a:xfrm>
+            <a:off x="252249" y="3547148"/>
+            <a:ext cx="11284066" cy="3147938"/>
+          </a:xfrm>
+          <a:prstGeom prst="cloud">
+            <a:avLst/>
+          </a:prstGeom>
+          <a:noFill/>
+        </p:spPr>
+        <p:style>
+          <a:lnRef idx="2">
+            <a:schemeClr val="accent1">
+              <a:shade val="50000"/>
+            </a:schemeClr>
+          </a:lnRef>
+          <a:fillRef idx="1">
+            <a:schemeClr val="accent1"/>
+          </a:fillRef>
+          <a:effectRef idx="0">
+            <a:schemeClr val="accent1"/>
+          </a:effectRef>
+          <a:fontRef idx="minor">
+            <a:schemeClr val="lt1"/>
+          </a:fontRef>
+        </p:style>
+        <p:txBody>
+          <a:bodyPr rtlCol="0" anchor="ctr"/>
+          <a:lstStyle/>
+          <a:p>
+            <a:pPr algn="ctr"/>
+            <a:endParaRPr lang="en-US" sz="4000" dirty="0"/>
+          </a:p>
+        </p:txBody>
+      </p:sp>
+      <p:sp>
+        <p:nvSpPr>
+          <p:cNvPr id="44" name="Can 43"/>
+          <p:cNvSpPr/>
+          <p:nvPr/>
+        </p:nvSpPr>
+        <p:spPr>
+          <a:xfrm>
+            <a:off x="7506232" y="5106165"/>
+            <a:ext cx="593968" cy="646386"/>
+          </a:xfrm>
+          <a:prstGeom prst="can">
+            <a:avLst/>
+          </a:prstGeom>
+          <a:solidFill>
+            <a:schemeClr val="tx1"/>
+          </a:solidFill>
+        </p:spPr>
+        <p:style>
+          <a:lnRef idx="2">
+            <a:schemeClr val="accent1">
+              <a:shade val="50000"/>
+            </a:schemeClr>
+          </a:lnRef>
+          <a:fillRef idx="1">
+            <a:schemeClr val="accent1"/>
+          </a:fillRef>
+          <a:effectRef idx="0">
+            <a:schemeClr val="accent1"/>
+          </a:effectRef>
+          <a:fontRef idx="minor">
+            <a:schemeClr val="lt1"/>
+          </a:fontRef>
+        </p:style>
+        <p:txBody>
+          <a:bodyPr rtlCol="0" anchor="ctr"/>
+          <a:lstStyle/>
+          <a:p>
+            <a:pPr algn="ctr"/>
+            <a:endParaRPr lang="en-US"/>
+          </a:p>
+        </p:txBody>
+      </p:sp>
+      <p:sp>
+        <p:nvSpPr>
+          <p:cNvPr id="45" name="Cube 44"/>
+          <p:cNvSpPr/>
+          <p:nvPr/>
+        </p:nvSpPr>
+        <p:spPr>
+          <a:xfrm>
+            <a:off x="7506232" y="4399445"/>
+            <a:ext cx="709449" cy="652326"/>
+          </a:xfrm>
+          <a:prstGeom prst="cube">
+            <a:avLst/>
+          </a:prstGeom>
+          <a:solidFill>
+            <a:schemeClr val="tx1"/>
+          </a:solidFill>
+        </p:spPr>
+        <p:style>
+          <a:lnRef idx="2">
+            <a:schemeClr val="accent1">
+              <a:shade val="50000"/>
+            </a:schemeClr>
+          </a:lnRef>
+          <a:fillRef idx="1">
+            <a:schemeClr val="accent1"/>
+          </a:fillRef>
+          <a:effectRef idx="0">
+            <a:schemeClr val="accent1"/>
+          </a:effectRef>
+          <a:fontRef idx="minor">
+            <a:schemeClr val="lt1"/>
+          </a:fontRef>
+        </p:style>
+        <p:txBody>
+          <a:bodyPr rtlCol="0" anchor="ctr"/>
+          <a:lstStyle/>
+          <a:p>
+            <a:pPr algn="ctr"/>
+            <a:endParaRPr lang="en-US"/>
+          </a:p>
+        </p:txBody>
+      </p:sp>
+      <p:grpSp>
+        <p:nvGrpSpPr>
+          <p:cNvPr id="57" name="Group 56"/>
+          <p:cNvGrpSpPr/>
+          <p:nvPr/>
+        </p:nvGrpSpPr>
+        <p:grpSpPr>
+          <a:xfrm>
+            <a:off x="4379347" y="2808329"/>
+            <a:ext cx="4537461" cy="538986"/>
+            <a:chOff x="4363584" y="2808329"/>
+            <a:chExt cx="4537461" cy="538986"/>
+          </a:xfrm>
+        </p:grpSpPr>
+        <p:sp>
+          <p:nvSpPr>
+            <p:cNvPr id="55" name="Rounded Rectangle 54"/>
+            <p:cNvSpPr/>
+            <p:nvPr/>
+          </p:nvSpPr>
+          <p:spPr>
+            <a:xfrm>
+              <a:off x="4410879" y="2824095"/>
+              <a:ext cx="4396396" cy="523220"/>
+            </a:xfrm>
+            <a:prstGeom prst="roundRect">
+              <a:avLst/>
+            </a:prstGeom>
+            <a:solidFill>
+              <a:schemeClr val="accent2">
+                <a:lumMod val="50000"/>
+              </a:schemeClr>
+            </a:solidFill>
+          </p:spPr>
+          <p:style>
+            <a:lnRef idx="2">
+              <a:schemeClr val="accent1">
+                <a:shade val="50000"/>
+              </a:schemeClr>
+            </a:lnRef>
+            <a:fillRef idx="1">
+              <a:schemeClr val="accent1"/>
+            </a:fillRef>
+            <a:effectRef idx="0">
+              <a:schemeClr val="accent1"/>
+            </a:effectRef>
+            <a:fontRef idx="minor">
+              <a:schemeClr val="lt1"/>
+            </a:fontRef>
+          </p:style>
+          <p:txBody>
+            <a:bodyPr rtlCol="0" anchor="ctr"/>
+            <a:lstStyle/>
+            <a:p>
+              <a:pPr algn="ctr"/>
+              <a:endParaRPr lang="en-US"/>
+            </a:p>
+          </p:txBody>
+        </p:sp>
+        <p:sp>
+          <p:nvSpPr>
+            <p:cNvPr id="47" name="TextBox 46"/>
+            <p:cNvSpPr txBox="1"/>
+            <p:nvPr/>
+          </p:nvSpPr>
+          <p:spPr>
+            <a:xfrm>
+              <a:off x="4363584" y="2808329"/>
+              <a:ext cx="4537461" cy="523220"/>
+            </a:xfrm>
+            <a:prstGeom prst="rect">
+              <a:avLst/>
+            </a:prstGeom>
+            <a:noFill/>
+            <a:effectLst>
+              <a:softEdge rad="12700"/>
+            </a:effectLst>
+          </p:spPr>
+          <p:txBody>
+            <a:bodyPr wrap="none" rtlCol="0">
+              <a:spAutoFit/>
+            </a:bodyPr>
+            <a:lstStyle/>
+            <a:p>
+              <a:r>
+                <a:rPr lang="en-US" sz="2800" dirty="0" smtClean="0">
+                  <a:ln w="38100">
+                    <a:noFill/>
+                  </a:ln>
+                  <a:solidFill>
+                    <a:srgbClr val="FFFF00"/>
+                  </a:solidFill>
+                </a:rPr>
+                <a:t>HTTP </a:t>
+              </a:r>
+              <a:r>
+                <a:rPr lang="en-US" sz="2800" smtClean="0">
+                  <a:ln w="38100">
+                    <a:noFill/>
+                  </a:ln>
+                  <a:solidFill>
+                    <a:srgbClr val="FFFF00"/>
+                  </a:solidFill>
+                </a:rPr>
+                <a:t>REST APIs </a:t>
+              </a:r>
+              <a:r>
+                <a:rPr lang="en-US" sz="2000" dirty="0" smtClean="0">
+                  <a:ln w="38100">
+                    <a:noFill/>
+                  </a:ln>
+                  <a:solidFill>
+                    <a:srgbClr val="FFFF00"/>
+                  </a:solidFill>
+                </a:rPr>
+                <a:t>(</a:t>
+              </a:r>
+              <a:r>
+                <a:rPr lang="en-US" sz="2000" dirty="0" err="1" smtClean="0">
+                  <a:ln w="38100">
+                    <a:noFill/>
+                  </a:ln>
+                  <a:solidFill>
+                    <a:srgbClr val="FFFF00"/>
+                  </a:solidFill>
+                </a:rPr>
+                <a:t>clin</a:t>
+              </a:r>
+              <a:r>
+                <a:rPr lang="en-US" sz="2000" dirty="0" smtClean="0">
+                  <a:ln w="38100">
+                    <a:noFill/>
+                  </a:ln>
+                  <a:solidFill>
+                    <a:srgbClr val="FFFF00"/>
+                  </a:solidFill>
+                </a:rPr>
+                <a:t>: OAUTH, FHIR)</a:t>
+              </a:r>
+              <a:endParaRPr lang="en-US" sz="2800" dirty="0">
+                <a:ln w="38100">
+                  <a:noFill/>
+                </a:ln>
+                <a:solidFill>
+                  <a:srgbClr val="FFFF00"/>
+                </a:solidFill>
+              </a:endParaRPr>
+            </a:p>
+          </p:txBody>
+        </p:sp>
+      </p:grpSp>
+      <p:sp>
+        <p:nvSpPr>
+          <p:cNvPr id="48" name="Cube 47"/>
+          <p:cNvSpPr/>
+          <p:nvPr/>
+        </p:nvSpPr>
+        <p:spPr>
+          <a:xfrm>
+            <a:off x="6614833" y="937544"/>
+            <a:ext cx="310747" cy="349944"/>
+          </a:xfrm>
+          <a:prstGeom prst="cube">
+            <a:avLst/>
+          </a:prstGeom>
+          <a:solidFill>
+            <a:schemeClr val="accent1"/>
+          </a:solidFill>
+        </p:spPr>
+        <p:style>
+          <a:lnRef idx="2">
+            <a:schemeClr val="accent1">
+              <a:shade val="50000"/>
+            </a:schemeClr>
+          </a:lnRef>
+          <a:fillRef idx="1">
+            <a:schemeClr val="accent1"/>
+          </a:fillRef>
+          <a:effectRef idx="0">
+            <a:schemeClr val="accent1"/>
+          </a:effectRef>
+          <a:fontRef idx="minor">
+            <a:schemeClr val="lt1"/>
+          </a:fontRef>
+        </p:style>
+        <p:txBody>
+          <a:bodyPr rtlCol="0" anchor="ctr"/>
+          <a:lstStyle/>
+          <a:p>
+            <a:pPr algn="ctr"/>
+            <a:endParaRPr lang="en-US"/>
+          </a:p>
+        </p:txBody>
+      </p:sp>
+      <p:sp>
+        <p:nvSpPr>
+          <p:cNvPr id="49" name="Cube 48"/>
+          <p:cNvSpPr/>
+          <p:nvPr/>
+        </p:nvSpPr>
+        <p:spPr>
+          <a:xfrm>
+            <a:off x="8072598" y="990014"/>
+            <a:ext cx="310747" cy="349944"/>
+          </a:xfrm>
+          <a:prstGeom prst="cube">
+            <a:avLst/>
+          </a:prstGeom>
+          <a:solidFill>
+            <a:schemeClr val="accent1"/>
+          </a:solidFill>
+        </p:spPr>
+        <p:style>
+          <a:lnRef idx="2">
+            <a:schemeClr val="accent1">
+              <a:shade val="50000"/>
+            </a:schemeClr>
+          </a:lnRef>
+          <a:fillRef idx="1">
+            <a:schemeClr val="accent1"/>
+          </a:fillRef>
+          <a:effectRef idx="0">
+            <a:schemeClr val="accent1"/>
+          </a:effectRef>
+          <a:fontRef idx="minor">
+            <a:schemeClr val="lt1"/>
+          </a:fontRef>
+        </p:style>
+        <p:txBody>
+          <a:bodyPr rtlCol="0" anchor="ctr"/>
+          <a:lstStyle/>
+          <a:p>
+            <a:pPr algn="ctr"/>
+            <a:endParaRPr lang="en-US"/>
+          </a:p>
+        </p:txBody>
+      </p:sp>
+      <p:sp>
+        <p:nvSpPr>
+          <p:cNvPr id="50" name="Cube 49"/>
+          <p:cNvSpPr/>
+          <p:nvPr/>
+        </p:nvSpPr>
+        <p:spPr>
+          <a:xfrm>
+            <a:off x="9475758" y="1005780"/>
+            <a:ext cx="310747" cy="349944"/>
+          </a:xfrm>
+          <a:prstGeom prst="cube">
+            <a:avLst/>
+          </a:prstGeom>
+          <a:solidFill>
+            <a:schemeClr val="accent1"/>
+          </a:solidFill>
+        </p:spPr>
+        <p:style>
+          <a:lnRef idx="2">
+            <a:schemeClr val="accent1">
+              <a:shade val="50000"/>
+            </a:schemeClr>
+          </a:lnRef>
+          <a:fillRef idx="1">
+            <a:schemeClr val="accent1"/>
+          </a:fillRef>
+          <a:effectRef idx="0">
+            <a:schemeClr val="accent1"/>
+          </a:effectRef>
+          <a:fontRef idx="minor">
+            <a:schemeClr val="lt1"/>
+          </a:fontRef>
+        </p:style>
+        <p:txBody>
+          <a:bodyPr rtlCol="0" anchor="ctr"/>
+          <a:lstStyle/>
+          <a:p>
+            <a:pPr algn="ctr"/>
+            <a:endParaRPr lang="en-US"/>
+          </a:p>
+        </p:txBody>
+      </p:sp>
+      <p:sp>
+        <p:nvSpPr>
+          <p:cNvPr id="51" name="Cube 50"/>
+          <p:cNvSpPr/>
+          <p:nvPr/>
+        </p:nvSpPr>
+        <p:spPr>
+          <a:xfrm>
+            <a:off x="10939459" y="1032138"/>
+            <a:ext cx="310747" cy="349944"/>
+          </a:xfrm>
+          <a:prstGeom prst="cube">
+            <a:avLst/>
+          </a:prstGeom>
+          <a:solidFill>
+            <a:schemeClr val="accent1"/>
+          </a:solidFill>
+        </p:spPr>
+        <p:style>
+          <a:lnRef idx="2">
+            <a:schemeClr val="accent1">
+              <a:shade val="50000"/>
+            </a:schemeClr>
+          </a:lnRef>
+          <a:fillRef idx="1">
+            <a:schemeClr val="accent1"/>
+          </a:fillRef>
+          <a:effectRef idx="0">
+            <a:schemeClr val="accent1"/>
+          </a:effectRef>
+          <a:fontRef idx="minor">
+            <a:schemeClr val="lt1"/>
+          </a:fontRef>
+        </p:style>
+        <p:txBody>
+          <a:bodyPr rtlCol="0" anchor="ctr"/>
+          <a:lstStyle/>
+          <a:p>
+            <a:pPr algn="ctr"/>
+            <a:endParaRPr lang="en-US"/>
+          </a:p>
+        </p:txBody>
+      </p:sp>
+      <p:sp>
+        <p:nvSpPr>
+          <p:cNvPr id="53" name="Cube 52"/>
+          <p:cNvSpPr/>
+          <p:nvPr/>
+        </p:nvSpPr>
+        <p:spPr>
+          <a:xfrm>
+            <a:off x="5006668" y="1770752"/>
+            <a:ext cx="310747" cy="349944"/>
+          </a:xfrm>
+          <a:prstGeom prst="cube">
+            <a:avLst/>
+          </a:prstGeom>
+          <a:solidFill>
+            <a:schemeClr val="accent1"/>
+          </a:solidFill>
+        </p:spPr>
+        <p:style>
+          <a:lnRef idx="2">
+            <a:schemeClr val="accent1">
+              <a:shade val="50000"/>
+            </a:schemeClr>
+          </a:lnRef>
+          <a:fillRef idx="1">
+            <a:schemeClr val="accent1"/>
+          </a:fillRef>
+          <a:effectRef idx="0">
+            <a:schemeClr val="accent1"/>
+          </a:effectRef>
+          <a:fontRef idx="minor">
+            <a:schemeClr val="lt1"/>
+          </a:fontRef>
+        </p:style>
+        <p:txBody>
+          <a:bodyPr rtlCol="0" anchor="ctr"/>
+          <a:lstStyle/>
+          <a:p>
+            <a:pPr algn="ctr"/>
+            <a:endParaRPr lang="en-US"/>
+          </a:p>
+        </p:txBody>
+      </p:sp>
+      <p:sp>
+        <p:nvSpPr>
+          <p:cNvPr id="54" name="TextBox 53"/>
+          <p:cNvSpPr txBox="1"/>
+          <p:nvPr/>
+        </p:nvSpPr>
+        <p:spPr>
+          <a:xfrm>
+            <a:off x="8690093" y="4399445"/>
+            <a:ext cx="1963102" cy="707886"/>
+          </a:xfrm>
+          <a:prstGeom prst="rect">
+            <a:avLst/>
+          </a:prstGeom>
+          <a:noFill/>
+        </p:spPr>
+        <p:txBody>
+          <a:bodyPr wrap="none" rtlCol="0">
+            <a:spAutoFit/>
+          </a:bodyPr>
+          <a:lstStyle/>
+          <a:p>
+            <a:r>
+              <a:rPr lang="en-US" sz="2000" dirty="0" smtClean="0"/>
+              <a:t>Data Lake</a:t>
+            </a:r>
+          </a:p>
+          <a:p>
+            <a:r>
+              <a:rPr lang="en-US" sz="2000" dirty="0" smtClean="0"/>
+              <a:t>(</a:t>
+            </a:r>
+            <a:r>
+              <a:rPr lang="en-US" sz="2000" dirty="0" err="1" smtClean="0"/>
+              <a:t>db</a:t>
+            </a:r>
+            <a:r>
+              <a:rPr lang="en-US" sz="2000" dirty="0" smtClean="0"/>
+              <a:t> + processing)</a:t>
+            </a:r>
+            <a:endParaRPr lang="en-US" sz="2000" dirty="0"/>
+          </a:p>
+        </p:txBody>
+      </p:sp>
+      <p:sp>
+        <p:nvSpPr>
+          <p:cNvPr id="58" name="Rectangle 57"/>
+          <p:cNvSpPr/>
+          <p:nvPr/>
+        </p:nvSpPr>
+        <p:spPr>
+          <a:xfrm>
+            <a:off x="583572" y="1632410"/>
+            <a:ext cx="3015184" cy="830997"/>
+          </a:xfrm>
+          <a:prstGeom prst="rect">
+            <a:avLst/>
+          </a:prstGeom>
+        </p:spPr>
+        <p:txBody>
+          <a:bodyPr wrap="none">
+            <a:spAutoFit/>
+          </a:bodyPr>
+          <a:lstStyle/>
+          <a:p>
+            <a:r>
+              <a:rPr lang="en-US" sz="2400" b="1" dirty="0" smtClean="0"/>
+              <a:t>Mobile first</a:t>
+            </a:r>
+          </a:p>
+          <a:p>
+            <a:r>
+              <a:rPr lang="en-US" sz="2400" dirty="0" smtClean="0"/>
+              <a:t>(</a:t>
+            </a:r>
+            <a:r>
+              <a:rPr lang="en-US" sz="2400" dirty="0" err="1" smtClean="0"/>
+              <a:t>webComp</a:t>
+            </a:r>
+            <a:r>
+              <a:rPr lang="en-US" sz="2400" dirty="0" smtClean="0"/>
+              <a:t> ecosystem)</a:t>
+            </a:r>
+            <a:endParaRPr lang="en-US" sz="2400" dirty="0" smtClean="0"/>
+          </a:p>
+        </p:txBody>
+      </p:sp>
+      <p:sp>
+        <p:nvSpPr>
+          <p:cNvPr id="59" name="Rectangle 58"/>
+          <p:cNvSpPr/>
+          <p:nvPr/>
+        </p:nvSpPr>
+        <p:spPr>
+          <a:xfrm>
+            <a:off x="570278" y="3370979"/>
+            <a:ext cx="1667188" cy="461665"/>
+          </a:xfrm>
+          <a:prstGeom prst="rect">
+            <a:avLst/>
+          </a:prstGeom>
+        </p:spPr>
+        <p:txBody>
+          <a:bodyPr wrap="none">
+            <a:spAutoFit/>
+          </a:bodyPr>
+          <a:lstStyle/>
+          <a:p>
+            <a:r>
+              <a:rPr lang="en-US" sz="2400" b="1" dirty="0" smtClean="0"/>
+              <a:t>Data driven</a:t>
+            </a:r>
+            <a:endParaRPr lang="en-US" sz="2400" b="1" dirty="0" smtClean="0"/>
+          </a:p>
+        </p:txBody>
+      </p:sp>
+    </p:spTree>
+    <p:extLst>
+      <p:ext uri="{BB962C8B-B14F-4D97-AF65-F5344CB8AC3E}">
+        <p14:creationId xmlns:p14="http://schemas.microsoft.com/office/powerpoint/2010/main" val="1210391290"/>
+      </p:ext>
+    </p:extLst>
+  </p:cSld>
+  <p:clrMapOvr>
+    <a:masterClrMapping/>
+  </p:clrMapOvr>
+</p:sld>
+</file>
+
+<file path=ppt/slides/slide3.xml><?xml version="1.0" encoding="utf-8"?>
+<p:sld xmlns:a="http://schemas.openxmlformats.org/drawingml/2006/main" xmlns:r="http://schemas.openxmlformats.org/officeDocument/2006/relationships" xmlns:p="http://schemas.openxmlformats.org/presentationml/2006/main">
+  <p:cSld>
+    <p:spTree>
+      <p:nvGrpSpPr>
+        <p:cNvPr id="1" name=""/>
+        <p:cNvGrpSpPr/>
+        <p:nvPr/>
+      </p:nvGrpSpPr>
+      <p:grpSpPr>
+        <a:xfrm>
+          <a:off x="0" y="0"/>
+          <a:ext cx="0" cy="0"/>
+          <a:chOff x="0" y="0"/>
+          <a:chExt cx="0" cy="0"/>
+        </a:xfrm>
+      </p:grpSpPr>
+    </p:spTree>
+    <p:extLst>
+      <p:ext uri="{BB962C8B-B14F-4D97-AF65-F5344CB8AC3E}">
+        <p14:creationId xmlns:p14="http://schemas.microsoft.com/office/powerpoint/2010/main" val="476372030"/>
+      </p:ext>
+    </p:extLst>
+  </p:cSld>
+  <p:clrMapOvr>
+    <a:masterClrMapping/>
+  </p:clrMapOvr>
+</p:sld>
+</file>
+
 <file path=ppt/theme/theme1.xml><?xml version="1.0" encoding="utf-8"?>
 <a:theme xmlns:a="http://schemas.openxmlformats.org/drawingml/2006/main" name="Office Theme">
   <a:themeElements>
